--- a/Documents/hardware-diagrame.pptx
+++ b/Documents/hardware-diagrame.pptx
@@ -261,7 +261,7 @@
           <a:p>
             <a:fld id="{D378CE8B-8429-48A7-9834-CC09E49B490B}" type="datetimeFigureOut">
               <a:rPr lang="th-TH" smtClean="0"/>
-              <a:t>17/09/63</a:t>
+              <a:t>19/09/63</a:t>
             </a:fld>
             <a:endParaRPr lang="th-TH"/>
           </a:p>
@@ -461,7 +461,7 @@
           <a:p>
             <a:fld id="{D378CE8B-8429-48A7-9834-CC09E49B490B}" type="datetimeFigureOut">
               <a:rPr lang="th-TH" smtClean="0"/>
-              <a:t>17/09/63</a:t>
+              <a:t>19/09/63</a:t>
             </a:fld>
             <a:endParaRPr lang="th-TH"/>
           </a:p>
@@ -671,7 +671,7 @@
           <a:p>
             <a:fld id="{D378CE8B-8429-48A7-9834-CC09E49B490B}" type="datetimeFigureOut">
               <a:rPr lang="th-TH" smtClean="0"/>
-              <a:t>17/09/63</a:t>
+              <a:t>19/09/63</a:t>
             </a:fld>
             <a:endParaRPr lang="th-TH"/>
           </a:p>
@@ -871,7 +871,7 @@
           <a:p>
             <a:fld id="{D378CE8B-8429-48A7-9834-CC09E49B490B}" type="datetimeFigureOut">
               <a:rPr lang="th-TH" smtClean="0"/>
-              <a:t>17/09/63</a:t>
+              <a:t>19/09/63</a:t>
             </a:fld>
             <a:endParaRPr lang="th-TH"/>
           </a:p>
@@ -1147,7 +1147,7 @@
           <a:p>
             <a:fld id="{D378CE8B-8429-48A7-9834-CC09E49B490B}" type="datetimeFigureOut">
               <a:rPr lang="th-TH" smtClean="0"/>
-              <a:t>17/09/63</a:t>
+              <a:t>19/09/63</a:t>
             </a:fld>
             <a:endParaRPr lang="th-TH"/>
           </a:p>
@@ -1415,7 +1415,7 @@
           <a:p>
             <a:fld id="{D378CE8B-8429-48A7-9834-CC09E49B490B}" type="datetimeFigureOut">
               <a:rPr lang="th-TH" smtClean="0"/>
-              <a:t>17/09/63</a:t>
+              <a:t>19/09/63</a:t>
             </a:fld>
             <a:endParaRPr lang="th-TH"/>
           </a:p>
@@ -1830,7 +1830,7 @@
           <a:p>
             <a:fld id="{D378CE8B-8429-48A7-9834-CC09E49B490B}" type="datetimeFigureOut">
               <a:rPr lang="th-TH" smtClean="0"/>
-              <a:t>17/09/63</a:t>
+              <a:t>19/09/63</a:t>
             </a:fld>
             <a:endParaRPr lang="th-TH"/>
           </a:p>
@@ -1972,7 +1972,7 @@
           <a:p>
             <a:fld id="{D378CE8B-8429-48A7-9834-CC09E49B490B}" type="datetimeFigureOut">
               <a:rPr lang="th-TH" smtClean="0"/>
-              <a:t>17/09/63</a:t>
+              <a:t>19/09/63</a:t>
             </a:fld>
             <a:endParaRPr lang="th-TH"/>
           </a:p>
@@ -2085,7 +2085,7 @@
           <a:p>
             <a:fld id="{D378CE8B-8429-48A7-9834-CC09E49B490B}" type="datetimeFigureOut">
               <a:rPr lang="th-TH" smtClean="0"/>
-              <a:t>17/09/63</a:t>
+              <a:t>19/09/63</a:t>
             </a:fld>
             <a:endParaRPr lang="th-TH"/>
           </a:p>
@@ -2398,7 +2398,7 @@
           <a:p>
             <a:fld id="{D378CE8B-8429-48A7-9834-CC09E49B490B}" type="datetimeFigureOut">
               <a:rPr lang="th-TH" smtClean="0"/>
-              <a:t>17/09/63</a:t>
+              <a:t>19/09/63</a:t>
             </a:fld>
             <a:endParaRPr lang="th-TH"/>
           </a:p>
@@ -2687,7 +2687,7 @@
           <a:p>
             <a:fld id="{D378CE8B-8429-48A7-9834-CC09E49B490B}" type="datetimeFigureOut">
               <a:rPr lang="th-TH" smtClean="0"/>
-              <a:t>17/09/63</a:t>
+              <a:t>19/09/63</a:t>
             </a:fld>
             <a:endParaRPr lang="th-TH"/>
           </a:p>
@@ -2930,7 +2930,7 @@
           <a:p>
             <a:fld id="{D378CE8B-8429-48A7-9834-CC09E49B490B}" type="datetimeFigureOut">
               <a:rPr lang="th-TH" smtClean="0"/>
-              <a:t>17/09/63</a:t>
+              <a:t>19/09/63</a:t>
             </a:fld>
             <a:endParaRPr lang="th-TH"/>
           </a:p>
@@ -4438,7 +4438,7 @@
         </p:nvSpPr>
         <p:spPr>
           <a:xfrm>
-            <a:off x="4544864" y="2768434"/>
+            <a:off x="4602260" y="2793683"/>
             <a:ext cx="737773" cy="338554"/>
           </a:xfrm>
           <a:prstGeom prst="rect">
@@ -4499,7 +4499,7 @@
                 <a:latin typeface="TH SarabunPSK" panose="020B0500040200020003" pitchFamily="34" charset="-34"/>
                 <a:cs typeface="TH SarabunPSK" panose="020B0500040200020003" pitchFamily="34" charset="-34"/>
               </a:rPr>
-              <a:t> GPIO 35</a:t>
+              <a:t> GPIO 25</a:t>
             </a:r>
             <a:endParaRPr lang="th-TH" sz="1600" dirty="0">
               <a:latin typeface="TH SarabunPSK" panose="020B0500040200020003" pitchFamily="34" charset="-34"/>
